--- a/master_thesis/powerpoints/rendertree.pptx
+++ b/master_thesis/powerpoints/rendertree.pptx
@@ -104,6 +104,11 @@
       </a:defRPr>
     </a:lvl9pPr>
   </p:defaultTextStyle>
+  <p:extLst>
+    <p:ext uri="{EFAFB233-063F-42B5-8137-9DF3F51BA10A}">
+      <p15:sldGuideLst xmlns:p15="http://schemas.microsoft.com/office/powerpoint/2012/main"/>
+    </p:ext>
+  </p:extLst>
 </p:presentation>
 </file>
 
@@ -256,7 +261,7 @@
           <a:p>
             <a:fld id="{45E1E4A0-831B-45EE-801F-A36EDF2E0A8B}" type="datetimeFigureOut">
               <a:rPr lang="en-GB" smtClean="0"/>
-              <a:t>29/07/2019</a:t>
+              <a:t>15/08/2019</a:t>
             </a:fld>
             <a:endParaRPr lang="en-GB"/>
           </a:p>
@@ -456,7 +461,7 @@
           <a:p>
             <a:fld id="{45E1E4A0-831B-45EE-801F-A36EDF2E0A8B}" type="datetimeFigureOut">
               <a:rPr lang="en-GB" smtClean="0"/>
-              <a:t>29/07/2019</a:t>
+              <a:t>15/08/2019</a:t>
             </a:fld>
             <a:endParaRPr lang="en-GB"/>
           </a:p>
@@ -666,7 +671,7 @@
           <a:p>
             <a:fld id="{45E1E4A0-831B-45EE-801F-A36EDF2E0A8B}" type="datetimeFigureOut">
               <a:rPr lang="en-GB" smtClean="0"/>
-              <a:t>29/07/2019</a:t>
+              <a:t>15/08/2019</a:t>
             </a:fld>
             <a:endParaRPr lang="en-GB"/>
           </a:p>
@@ -866,7 +871,7 @@
           <a:p>
             <a:fld id="{45E1E4A0-831B-45EE-801F-A36EDF2E0A8B}" type="datetimeFigureOut">
               <a:rPr lang="en-GB" smtClean="0"/>
-              <a:t>29/07/2019</a:t>
+              <a:t>15/08/2019</a:t>
             </a:fld>
             <a:endParaRPr lang="en-GB"/>
           </a:p>
@@ -1142,7 +1147,7 @@
           <a:p>
             <a:fld id="{45E1E4A0-831B-45EE-801F-A36EDF2E0A8B}" type="datetimeFigureOut">
               <a:rPr lang="en-GB" smtClean="0"/>
-              <a:t>29/07/2019</a:t>
+              <a:t>15/08/2019</a:t>
             </a:fld>
             <a:endParaRPr lang="en-GB"/>
           </a:p>
@@ -1410,7 +1415,7 @@
           <a:p>
             <a:fld id="{45E1E4A0-831B-45EE-801F-A36EDF2E0A8B}" type="datetimeFigureOut">
               <a:rPr lang="en-GB" smtClean="0"/>
-              <a:t>29/07/2019</a:t>
+              <a:t>15/08/2019</a:t>
             </a:fld>
             <a:endParaRPr lang="en-GB"/>
           </a:p>
@@ -1825,7 +1830,7 @@
           <a:p>
             <a:fld id="{45E1E4A0-831B-45EE-801F-A36EDF2E0A8B}" type="datetimeFigureOut">
               <a:rPr lang="en-GB" smtClean="0"/>
-              <a:t>29/07/2019</a:t>
+              <a:t>15/08/2019</a:t>
             </a:fld>
             <a:endParaRPr lang="en-GB"/>
           </a:p>
@@ -1967,7 +1972,7 @@
           <a:p>
             <a:fld id="{45E1E4A0-831B-45EE-801F-A36EDF2E0A8B}" type="datetimeFigureOut">
               <a:rPr lang="en-GB" smtClean="0"/>
-              <a:t>29/07/2019</a:t>
+              <a:t>15/08/2019</a:t>
             </a:fld>
             <a:endParaRPr lang="en-GB"/>
           </a:p>
@@ -2080,7 +2085,7 @@
           <a:p>
             <a:fld id="{45E1E4A0-831B-45EE-801F-A36EDF2E0A8B}" type="datetimeFigureOut">
               <a:rPr lang="en-GB" smtClean="0"/>
-              <a:t>29/07/2019</a:t>
+              <a:t>15/08/2019</a:t>
             </a:fld>
             <a:endParaRPr lang="en-GB"/>
           </a:p>
@@ -2393,7 +2398,7 @@
           <a:p>
             <a:fld id="{45E1E4A0-831B-45EE-801F-A36EDF2E0A8B}" type="datetimeFigureOut">
               <a:rPr lang="en-GB" smtClean="0"/>
-              <a:t>29/07/2019</a:t>
+              <a:t>15/08/2019</a:t>
             </a:fld>
             <a:endParaRPr lang="en-GB"/>
           </a:p>
@@ -2682,7 +2687,7 @@
           <a:p>
             <a:fld id="{45E1E4A0-831B-45EE-801F-A36EDF2E0A8B}" type="datetimeFigureOut">
               <a:rPr lang="en-GB" smtClean="0"/>
-              <a:t>29/07/2019</a:t>
+              <a:t>15/08/2019</a:t>
             </a:fld>
             <a:endParaRPr lang="en-GB"/>
           </a:p>
@@ -2925,7 +2930,7 @@
           <a:p>
             <a:fld id="{45E1E4A0-831B-45EE-801F-A36EDF2E0A8B}" type="datetimeFigureOut">
               <a:rPr lang="en-GB" smtClean="0"/>
-              <a:t>29/07/2019</a:t>
+              <a:t>15/08/2019</a:t>
             </a:fld>
             <a:endParaRPr lang="en-GB"/>
           </a:p>
@@ -3344,10 +3349,10 @@
       </p:grpSpPr>
       <p:sp>
         <p:nvSpPr>
-          <p:cNvPr id="4" name="Rectangle 3">
-            <a:extLst>
-              <a:ext uri="{FF2B5EF4-FFF2-40B4-BE49-F238E27FC236}">
-                <a16:creationId xmlns:a16="http://schemas.microsoft.com/office/drawing/2014/main" id="{3CBC7BAE-5045-40A5-85ED-4256F3025D1C}"/>
+          <p:cNvPr id="6" name="Rectangle: Rounded Corners 5">
+            <a:extLst>
+              <a:ext uri="{FF2B5EF4-FFF2-40B4-BE49-F238E27FC236}">
+                <a16:creationId xmlns:a16="http://schemas.microsoft.com/office/drawing/2014/main" id="{7DB5C807-7B7B-408B-9303-E9AC3B8980A8}"/>
               </a:ext>
             </a:extLst>
           </p:cNvPr>
@@ -3356,10 +3361,10 @@
         </p:nvSpPr>
         <p:spPr>
           <a:xfrm>
-            <a:off x="5568324" y="233061"/>
-            <a:ext cx="805044" cy="333868"/>
-          </a:xfrm>
-          <a:prstGeom prst="rect">
+            <a:off x="3725064" y="1036376"/>
+            <a:ext cx="960492" cy="333868"/>
+          </a:xfrm>
+          <a:prstGeom prst="roundRect">
             <a:avLst/>
           </a:prstGeom>
         </p:spPr>
@@ -3384,7 +3389,7 @@
             <a:pPr algn="ctr"/>
             <a:r>
               <a:rPr lang="de-DE" dirty="0"/>
-              <a:t>Scene</a:t>
+              <a:t>Portal 1</a:t>
             </a:r>
             <a:endParaRPr lang="en-GB" dirty="0"/>
           </a:p>
@@ -3392,10 +3397,10 @@
       </p:sp>
       <p:sp>
         <p:nvSpPr>
-          <p:cNvPr id="6" name="Rectangle: Rounded Corners 5">
-            <a:extLst>
-              <a:ext uri="{FF2B5EF4-FFF2-40B4-BE49-F238E27FC236}">
-                <a16:creationId xmlns:a16="http://schemas.microsoft.com/office/drawing/2014/main" id="{7DB5C807-7B7B-408B-9303-E9AC3B8980A8}"/>
+          <p:cNvPr id="7" name="Rectangle: Rounded Corners 6">
+            <a:extLst>
+              <a:ext uri="{FF2B5EF4-FFF2-40B4-BE49-F238E27FC236}">
+                <a16:creationId xmlns:a16="http://schemas.microsoft.com/office/drawing/2014/main" id="{21EACD67-1E89-4BF8-9465-027478554F92}"/>
               </a:ext>
             </a:extLst>
           </p:cNvPr>
@@ -3404,7 +3409,7 @@
         </p:nvSpPr>
         <p:spPr>
           <a:xfrm>
-            <a:off x="3725064" y="1036376"/>
+            <a:off x="7256136" y="1036376"/>
             <a:ext cx="960492" cy="333868"/>
           </a:xfrm>
           <a:prstGeom prst="roundRect">
@@ -3432,7 +3437,7 @@
             <a:pPr algn="ctr"/>
             <a:r>
               <a:rPr lang="de-DE" dirty="0"/>
-              <a:t>Portal 1</a:t>
+              <a:t>Portal 2</a:t>
             </a:r>
             <a:endParaRPr lang="en-GB" dirty="0"/>
           </a:p>
@@ -3440,10 +3445,10 @@
       </p:sp>
       <p:sp>
         <p:nvSpPr>
-          <p:cNvPr id="7" name="Rectangle: Rounded Corners 6">
-            <a:extLst>
-              <a:ext uri="{FF2B5EF4-FFF2-40B4-BE49-F238E27FC236}">
-                <a16:creationId xmlns:a16="http://schemas.microsoft.com/office/drawing/2014/main" id="{21EACD67-1E89-4BF8-9465-027478554F92}"/>
+          <p:cNvPr id="9" name="Rectangle 8">
+            <a:extLst>
+              <a:ext uri="{FF2B5EF4-FFF2-40B4-BE49-F238E27FC236}">
+                <a16:creationId xmlns:a16="http://schemas.microsoft.com/office/drawing/2014/main" id="{9EBEF592-0BAC-410D-AD5E-01127A146BEC}"/>
               </a:ext>
             </a:extLst>
           </p:cNvPr>
@@ -3452,10 +3457,10 @@
         </p:nvSpPr>
         <p:spPr>
           <a:xfrm>
-            <a:off x="7256136" y="1036376"/>
+            <a:off x="3725064" y="1760048"/>
             <a:ext cx="960492" cy="333868"/>
           </a:xfrm>
-          <a:prstGeom prst="roundRect">
+          <a:prstGeom prst="rect">
             <a:avLst/>
           </a:prstGeom>
         </p:spPr>
@@ -3480,7 +3485,7 @@
             <a:pPr algn="ctr"/>
             <a:r>
               <a:rPr lang="de-DE" dirty="0"/>
-              <a:t>Portal 2</a:t>
+              <a:t>Objects</a:t>
             </a:r>
             <a:endParaRPr lang="en-GB" dirty="0"/>
           </a:p>
@@ -3488,10 +3493,10 @@
       </p:sp>
       <p:sp>
         <p:nvSpPr>
-          <p:cNvPr id="9" name="Rectangle 8">
-            <a:extLst>
-              <a:ext uri="{FF2B5EF4-FFF2-40B4-BE49-F238E27FC236}">
-                <a16:creationId xmlns:a16="http://schemas.microsoft.com/office/drawing/2014/main" id="{9EBEF592-0BAC-410D-AD5E-01127A146BEC}"/>
+          <p:cNvPr id="10" name="Rectangle 9">
+            <a:extLst>
+              <a:ext uri="{FF2B5EF4-FFF2-40B4-BE49-F238E27FC236}">
+                <a16:creationId xmlns:a16="http://schemas.microsoft.com/office/drawing/2014/main" id="{9BE5EDFD-6C24-42B7-99FC-0C29F0B091FC}"/>
               </a:ext>
             </a:extLst>
           </p:cNvPr>
@@ -3500,8 +3505,8 @@
         </p:nvSpPr>
         <p:spPr>
           <a:xfrm>
-            <a:off x="3802788" y="1760048"/>
-            <a:ext cx="805044" cy="333868"/>
+            <a:off x="7256136" y="1760048"/>
+            <a:ext cx="960492" cy="333868"/>
           </a:xfrm>
           <a:prstGeom prst="rect">
             <a:avLst/>
@@ -3528,7 +3533,7 @@
             <a:pPr algn="ctr"/>
             <a:r>
               <a:rPr lang="de-DE" dirty="0"/>
-              <a:t>Scene</a:t>
+              <a:t>Objects</a:t>
             </a:r>
             <a:endParaRPr lang="en-GB" dirty="0"/>
           </a:p>
@@ -3536,10 +3541,10 @@
       </p:sp>
       <p:sp>
         <p:nvSpPr>
-          <p:cNvPr id="10" name="Rectangle 9">
-            <a:extLst>
-              <a:ext uri="{FF2B5EF4-FFF2-40B4-BE49-F238E27FC236}">
-                <a16:creationId xmlns:a16="http://schemas.microsoft.com/office/drawing/2014/main" id="{9BE5EDFD-6C24-42B7-99FC-0C29F0B091FC}"/>
+          <p:cNvPr id="11" name="Rectangle: Rounded Corners 10">
+            <a:extLst>
+              <a:ext uri="{FF2B5EF4-FFF2-40B4-BE49-F238E27FC236}">
+                <a16:creationId xmlns:a16="http://schemas.microsoft.com/office/drawing/2014/main" id="{7A72D0E5-E2E4-4642-B3C3-CBAAA498E349}"/>
               </a:ext>
             </a:extLst>
           </p:cNvPr>
@@ -3548,10 +3553,10 @@
         </p:nvSpPr>
         <p:spPr>
           <a:xfrm>
-            <a:off x="7333860" y="1760048"/>
-            <a:ext cx="805044" cy="333868"/>
-          </a:xfrm>
-          <a:prstGeom prst="rect">
+            <a:off x="2842296" y="2665406"/>
+            <a:ext cx="960492" cy="333868"/>
+          </a:xfrm>
+          <a:prstGeom prst="roundRect">
             <a:avLst/>
           </a:prstGeom>
         </p:spPr>
@@ -3576,7 +3581,7 @@
             <a:pPr algn="ctr"/>
             <a:r>
               <a:rPr lang="de-DE" dirty="0"/>
-              <a:t>Scene</a:t>
+              <a:t>Portal 1</a:t>
             </a:r>
             <a:endParaRPr lang="en-GB" dirty="0"/>
           </a:p>
@@ -3584,10 +3589,10 @@
       </p:sp>
       <p:sp>
         <p:nvSpPr>
-          <p:cNvPr id="11" name="Rectangle: Rounded Corners 10">
-            <a:extLst>
-              <a:ext uri="{FF2B5EF4-FFF2-40B4-BE49-F238E27FC236}">
-                <a16:creationId xmlns:a16="http://schemas.microsoft.com/office/drawing/2014/main" id="{7A72D0E5-E2E4-4642-B3C3-CBAAA498E349}"/>
+          <p:cNvPr id="12" name="Rectangle: Rounded Corners 11">
+            <a:extLst>
+              <a:ext uri="{FF2B5EF4-FFF2-40B4-BE49-F238E27FC236}">
+                <a16:creationId xmlns:a16="http://schemas.microsoft.com/office/drawing/2014/main" id="{9B0C0257-FC7B-47CA-915B-4D741D514272}"/>
               </a:ext>
             </a:extLst>
           </p:cNvPr>
@@ -3596,7 +3601,7 @@
         </p:nvSpPr>
         <p:spPr>
           <a:xfrm>
-            <a:off x="2842296" y="2665406"/>
+            <a:off x="4596030" y="2665406"/>
             <a:ext cx="960492" cy="333868"/>
           </a:xfrm>
           <a:prstGeom prst="roundRect">
@@ -3624,18 +3629,17 @@
             <a:pPr algn="ctr"/>
             <a:r>
               <a:rPr lang="de-DE" dirty="0"/>
-              <a:t>Portal 1</a:t>
-            </a:r>
-            <a:endParaRPr lang="en-GB" dirty="0"/>
-          </a:p>
-        </p:txBody>
-      </p:sp>
-      <p:sp>
-        <p:nvSpPr>
-          <p:cNvPr id="12" name="Rectangle: Rounded Corners 11">
-            <a:extLst>
-              <a:ext uri="{FF2B5EF4-FFF2-40B4-BE49-F238E27FC236}">
-                <a16:creationId xmlns:a16="http://schemas.microsoft.com/office/drawing/2014/main" id="{9B0C0257-FC7B-47CA-915B-4D741D514272}"/>
+              <a:t>Portal 2</a:t>
+            </a:r>
+          </a:p>
+        </p:txBody>
+      </p:sp>
+      <p:sp>
+        <p:nvSpPr>
+          <p:cNvPr id="13" name="Rectangle: Rounded Corners 12">
+            <a:extLst>
+              <a:ext uri="{FF2B5EF4-FFF2-40B4-BE49-F238E27FC236}">
+                <a16:creationId xmlns:a16="http://schemas.microsoft.com/office/drawing/2014/main" id="{20C62DB8-F4C8-4EBC-9AE9-29DDC9DA7B2E}"/>
               </a:ext>
             </a:extLst>
           </p:cNvPr>
@@ -3644,7 +3648,7 @@
         </p:nvSpPr>
         <p:spPr>
           <a:xfrm>
-            <a:off x="4596030" y="2665406"/>
+            <a:off x="6349764" y="2665406"/>
             <a:ext cx="960492" cy="333868"/>
           </a:xfrm>
           <a:prstGeom prst="roundRect">
@@ -3672,17 +3676,18 @@
             <a:pPr algn="ctr"/>
             <a:r>
               <a:rPr lang="de-DE" dirty="0"/>
-              <a:t>Portal 2</a:t>
-            </a:r>
-          </a:p>
-        </p:txBody>
-      </p:sp>
-      <p:sp>
-        <p:nvSpPr>
-          <p:cNvPr id="13" name="Rectangle: Rounded Corners 12">
-            <a:extLst>
-              <a:ext uri="{FF2B5EF4-FFF2-40B4-BE49-F238E27FC236}">
-                <a16:creationId xmlns:a16="http://schemas.microsoft.com/office/drawing/2014/main" id="{20C62DB8-F4C8-4EBC-9AE9-29DDC9DA7B2E}"/>
+              <a:t>Portal 1</a:t>
+            </a:r>
+            <a:endParaRPr lang="en-GB" dirty="0"/>
+          </a:p>
+        </p:txBody>
+      </p:sp>
+      <p:sp>
+        <p:nvSpPr>
+          <p:cNvPr id="14" name="Rectangle: Rounded Corners 13">
+            <a:extLst>
+              <a:ext uri="{FF2B5EF4-FFF2-40B4-BE49-F238E27FC236}">
+                <a16:creationId xmlns:a16="http://schemas.microsoft.com/office/drawing/2014/main" id="{DDEEA008-D1FD-48EF-9D58-12ACF2C24B25}"/>
               </a:ext>
             </a:extLst>
           </p:cNvPr>
@@ -3691,7 +3696,7 @@
         </p:nvSpPr>
         <p:spPr>
           <a:xfrm>
-            <a:off x="6349764" y="2665406"/>
+            <a:off x="8216628" y="2665406"/>
             <a:ext cx="960492" cy="333868"/>
           </a:xfrm>
           <a:prstGeom prst="roundRect">
@@ -3727,10 +3732,10 @@
       </p:sp>
       <p:sp>
         <p:nvSpPr>
-          <p:cNvPr id="14" name="Rectangle: Rounded Corners 13">
-            <a:extLst>
-              <a:ext uri="{FF2B5EF4-FFF2-40B4-BE49-F238E27FC236}">
-                <a16:creationId xmlns:a16="http://schemas.microsoft.com/office/drawing/2014/main" id="{DDEEA008-D1FD-48EF-9D58-12ACF2C24B25}"/>
+          <p:cNvPr id="15" name="Rectangle 14">
+            <a:extLst>
+              <a:ext uri="{FF2B5EF4-FFF2-40B4-BE49-F238E27FC236}">
+                <a16:creationId xmlns:a16="http://schemas.microsoft.com/office/drawing/2014/main" id="{1F9DE116-2AE4-4D09-BBA0-318A71152EBB}"/>
               </a:ext>
             </a:extLst>
           </p:cNvPr>
@@ -3739,10 +3744,10 @@
         </p:nvSpPr>
         <p:spPr>
           <a:xfrm>
-            <a:off x="8216628" y="2665406"/>
+            <a:off x="2842296" y="3424138"/>
             <a:ext cx="960492" cy="333868"/>
           </a:xfrm>
-          <a:prstGeom prst="roundRect">
+          <a:prstGeom prst="rect">
             <a:avLst/>
           </a:prstGeom>
         </p:spPr>
@@ -3767,7 +3772,7 @@
             <a:pPr algn="ctr"/>
             <a:r>
               <a:rPr lang="de-DE" dirty="0"/>
-              <a:t>Portal 1</a:t>
+              <a:t>Objects</a:t>
             </a:r>
             <a:endParaRPr lang="en-GB" dirty="0"/>
           </a:p>
@@ -3775,10 +3780,10 @@
       </p:sp>
       <p:sp>
         <p:nvSpPr>
-          <p:cNvPr id="15" name="Rectangle 14">
-            <a:extLst>
-              <a:ext uri="{FF2B5EF4-FFF2-40B4-BE49-F238E27FC236}">
-                <a16:creationId xmlns:a16="http://schemas.microsoft.com/office/drawing/2014/main" id="{1F9DE116-2AE4-4D09-BBA0-318A71152EBB}"/>
+          <p:cNvPr id="16" name="Rectangle 15">
+            <a:extLst>
+              <a:ext uri="{FF2B5EF4-FFF2-40B4-BE49-F238E27FC236}">
+                <a16:creationId xmlns:a16="http://schemas.microsoft.com/office/drawing/2014/main" id="{C7A6BB96-391C-44CE-85D2-6C30DFF4447E}"/>
               </a:ext>
             </a:extLst>
           </p:cNvPr>
@@ -3787,8 +3792,8 @@
         </p:nvSpPr>
         <p:spPr>
           <a:xfrm>
-            <a:off x="2920020" y="3424138"/>
-            <a:ext cx="805044" cy="333868"/>
+            <a:off x="4596030" y="3424138"/>
+            <a:ext cx="960492" cy="333868"/>
           </a:xfrm>
           <a:prstGeom prst="rect">
             <a:avLst/>
@@ -3815,7 +3820,7 @@
             <a:pPr algn="ctr"/>
             <a:r>
               <a:rPr lang="de-DE" dirty="0"/>
-              <a:t>Scene</a:t>
+              <a:t>Objects</a:t>
             </a:r>
             <a:endParaRPr lang="en-GB" dirty="0"/>
           </a:p>
@@ -3823,10 +3828,10 @@
       </p:sp>
       <p:sp>
         <p:nvSpPr>
-          <p:cNvPr id="16" name="Rectangle 15">
-            <a:extLst>
-              <a:ext uri="{FF2B5EF4-FFF2-40B4-BE49-F238E27FC236}">
-                <a16:creationId xmlns:a16="http://schemas.microsoft.com/office/drawing/2014/main" id="{C7A6BB96-391C-44CE-85D2-6C30DFF4447E}"/>
+          <p:cNvPr id="17" name="Rectangle 16">
+            <a:extLst>
+              <a:ext uri="{FF2B5EF4-FFF2-40B4-BE49-F238E27FC236}">
+                <a16:creationId xmlns:a16="http://schemas.microsoft.com/office/drawing/2014/main" id="{023CFC11-E041-4159-9815-EF241D06F047}"/>
               </a:ext>
             </a:extLst>
           </p:cNvPr>
@@ -3835,8 +3840,8 @@
         </p:nvSpPr>
         <p:spPr>
           <a:xfrm>
-            <a:off x="4673754" y="3424138"/>
-            <a:ext cx="805044" cy="333868"/>
+            <a:off x="6349764" y="3424138"/>
+            <a:ext cx="960492" cy="333868"/>
           </a:xfrm>
           <a:prstGeom prst="rect">
             <a:avLst/>
@@ -3863,7 +3868,7 @@
             <a:pPr algn="ctr"/>
             <a:r>
               <a:rPr lang="de-DE" dirty="0"/>
-              <a:t>Scene</a:t>
+              <a:t>Objects</a:t>
             </a:r>
             <a:endParaRPr lang="en-GB" dirty="0"/>
           </a:p>
@@ -3871,10 +3876,10 @@
       </p:sp>
       <p:sp>
         <p:nvSpPr>
-          <p:cNvPr id="17" name="Rectangle 16">
-            <a:extLst>
-              <a:ext uri="{FF2B5EF4-FFF2-40B4-BE49-F238E27FC236}">
-                <a16:creationId xmlns:a16="http://schemas.microsoft.com/office/drawing/2014/main" id="{023CFC11-E041-4159-9815-EF241D06F047}"/>
+          <p:cNvPr id="18" name="Rectangle 17">
+            <a:extLst>
+              <a:ext uri="{FF2B5EF4-FFF2-40B4-BE49-F238E27FC236}">
+                <a16:creationId xmlns:a16="http://schemas.microsoft.com/office/drawing/2014/main" id="{4FDFC6EB-144D-4001-8BF7-6565CCB56C4C}"/>
               </a:ext>
             </a:extLst>
           </p:cNvPr>
@@ -3883,8 +3888,8 @@
         </p:nvSpPr>
         <p:spPr>
           <a:xfrm>
-            <a:off x="6427488" y="3424138"/>
-            <a:ext cx="805044" cy="333868"/>
+            <a:off x="8216628" y="3424138"/>
+            <a:ext cx="960492" cy="333868"/>
           </a:xfrm>
           <a:prstGeom prst="rect">
             <a:avLst/>
@@ -3911,55 +3916,7 @@
             <a:pPr algn="ctr"/>
             <a:r>
               <a:rPr lang="de-DE" dirty="0"/>
-              <a:t>Scene</a:t>
-            </a:r>
-            <a:endParaRPr lang="en-GB" dirty="0"/>
-          </a:p>
-        </p:txBody>
-      </p:sp>
-      <p:sp>
-        <p:nvSpPr>
-          <p:cNvPr id="18" name="Rectangle 17">
-            <a:extLst>
-              <a:ext uri="{FF2B5EF4-FFF2-40B4-BE49-F238E27FC236}">
-                <a16:creationId xmlns:a16="http://schemas.microsoft.com/office/drawing/2014/main" id="{4FDFC6EB-144D-4001-8BF7-6565CCB56C4C}"/>
-              </a:ext>
-            </a:extLst>
-          </p:cNvPr>
-          <p:cNvSpPr/>
-          <p:nvPr/>
-        </p:nvSpPr>
-        <p:spPr>
-          <a:xfrm>
-            <a:off x="8294352" y="3424138"/>
-            <a:ext cx="805044" cy="333868"/>
-          </a:xfrm>
-          <a:prstGeom prst="rect">
-            <a:avLst/>
-          </a:prstGeom>
-        </p:spPr>
-        <p:style>
-          <a:lnRef idx="2">
-            <a:schemeClr val="dk1"/>
-          </a:lnRef>
-          <a:fillRef idx="1">
-            <a:schemeClr val="lt1"/>
-          </a:fillRef>
-          <a:effectRef idx="0">
-            <a:schemeClr val="dk1"/>
-          </a:effectRef>
-          <a:fontRef idx="minor">
-            <a:schemeClr val="dk1"/>
-          </a:fontRef>
-        </p:style>
-        <p:txBody>
-          <a:bodyPr rtlCol="0" anchor="ctr"/>
-          <a:lstStyle/>
-          <a:p>
-            <a:pPr algn="ctr"/>
-            <a:r>
-              <a:rPr lang="de-DE" dirty="0"/>
-              <a:t>Scene</a:t>
+              <a:t>Objects</a:t>
             </a:r>
             <a:endParaRPr lang="en-GB" dirty="0"/>
           </a:p>
@@ -3975,15 +3932,15 @@
             </a:extLst>
           </p:cNvPr>
           <p:cNvCxnSpPr>
+            <a:cxnSpLocks/>
             <a:stCxn id="6" idx="0"/>
-            <a:endCxn id="4" idx="2"/>
           </p:cNvCxnSpPr>
           <p:nvPr/>
         </p:nvCxnSpPr>
         <p:spPr>
           <a:xfrm rot="5400000" flipH="1" flipV="1">
-            <a:off x="4853355" y="-81115"/>
-            <a:ext cx="469447" cy="1765536"/>
+            <a:off x="4839846" y="-63204"/>
+            <a:ext cx="465044" cy="1734117"/>
           </a:xfrm>
           <a:prstGeom prst="bentConnector3">
             <a:avLst/>
@@ -4017,15 +3974,14 @@
             </a:extLst>
           </p:cNvPr>
           <p:cNvCxnSpPr>
-            <a:stCxn id="7" idx="0"/>
-            <a:endCxn id="4" idx="2"/>
+            <a:cxnSpLocks/>
           </p:cNvCxnSpPr>
           <p:nvPr/>
         </p:nvCxnSpPr>
         <p:spPr>
           <a:xfrm rot="16200000" flipV="1">
-            <a:off x="6618891" y="-81115"/>
-            <a:ext cx="469447" cy="1765536"/>
+            <a:off x="6605384" y="-94625"/>
+            <a:ext cx="465044" cy="1796955"/>
           </a:xfrm>
           <a:prstGeom prst="bentConnector3">
             <a:avLst/>
@@ -4059,6 +4015,7 @@
             </a:extLst>
           </p:cNvPr>
           <p:cNvCxnSpPr>
+            <a:cxnSpLocks/>
             <a:stCxn id="9" idx="0"/>
             <a:endCxn id="6" idx="2"/>
           </p:cNvCxnSpPr>
@@ -4101,6 +4058,7 @@
             </a:extLst>
           </p:cNvPr>
           <p:cNvCxnSpPr>
+            <a:cxnSpLocks/>
             <a:stCxn id="10" idx="0"/>
             <a:endCxn id="7" idx="2"/>
           </p:cNvCxnSpPr>
@@ -4143,6 +4101,7 @@
             </a:extLst>
           </p:cNvPr>
           <p:cNvCxnSpPr>
+            <a:cxnSpLocks/>
             <a:stCxn id="11" idx="0"/>
             <a:endCxn id="9" idx="2"/>
           </p:cNvCxnSpPr>
@@ -4185,6 +4144,7 @@
             </a:extLst>
           </p:cNvPr>
           <p:cNvCxnSpPr>
+            <a:cxnSpLocks/>
             <a:stCxn id="12" idx="0"/>
             <a:endCxn id="9" idx="2"/>
           </p:cNvCxnSpPr>
@@ -4227,6 +4187,7 @@
             </a:extLst>
           </p:cNvPr>
           <p:cNvCxnSpPr>
+            <a:cxnSpLocks/>
             <a:stCxn id="13" idx="0"/>
             <a:endCxn id="10" idx="2"/>
           </p:cNvCxnSpPr>
@@ -4269,6 +4230,7 @@
             </a:extLst>
           </p:cNvPr>
           <p:cNvCxnSpPr>
+            <a:cxnSpLocks/>
             <a:stCxn id="14" idx="0"/>
             <a:endCxn id="10" idx="2"/>
           </p:cNvCxnSpPr>
@@ -4712,7 +4674,7 @@
         </p:nvSpPr>
         <p:spPr>
           <a:xfrm>
-            <a:off x="809391" y="3635707"/>
+            <a:off x="755178" y="3643662"/>
             <a:ext cx="1417320" cy="539495"/>
           </a:xfrm>
           <a:prstGeom prst="snip2DiagRect">
@@ -5022,6 +4984,54 @@
             <a:r>
               <a:rPr lang="de-DE" dirty="0"/>
               <a:t>…</a:t>
+            </a:r>
+            <a:endParaRPr lang="en-GB" dirty="0"/>
+          </a:p>
+        </p:txBody>
+      </p:sp>
+      <p:sp>
+        <p:nvSpPr>
+          <p:cNvPr id="96" name="Rectangle 95">
+            <a:extLst>
+              <a:ext uri="{FF2B5EF4-FFF2-40B4-BE49-F238E27FC236}">
+                <a16:creationId xmlns:a16="http://schemas.microsoft.com/office/drawing/2014/main" id="{B7F539B4-2087-406E-AFFC-0ABF43F72FE9}"/>
+              </a:ext>
+            </a:extLst>
+          </p:cNvPr>
+          <p:cNvSpPr/>
+          <p:nvPr/>
+        </p:nvSpPr>
+        <p:spPr>
+          <a:xfrm>
+            <a:off x="5459180" y="237462"/>
+            <a:ext cx="960492" cy="333868"/>
+          </a:xfrm>
+          <a:prstGeom prst="rect">
+            <a:avLst/>
+          </a:prstGeom>
+        </p:spPr>
+        <p:style>
+          <a:lnRef idx="2">
+            <a:schemeClr val="dk1"/>
+          </a:lnRef>
+          <a:fillRef idx="1">
+            <a:schemeClr val="lt1"/>
+          </a:fillRef>
+          <a:effectRef idx="0">
+            <a:schemeClr val="dk1"/>
+          </a:effectRef>
+          <a:fontRef idx="minor">
+            <a:schemeClr val="dk1"/>
+          </a:fontRef>
+        </p:style>
+        <p:txBody>
+          <a:bodyPr rtlCol="0" anchor="ctr"/>
+          <a:lstStyle/>
+          <a:p>
+            <a:pPr algn="ctr"/>
+            <a:r>
+              <a:rPr lang="de-DE" dirty="0"/>
+              <a:t>Objects</a:t>
             </a:r>
             <a:endParaRPr lang="en-GB" dirty="0"/>
           </a:p>
